--- a/doc/IIDX_Pico_Manual.pptx
+++ b/doc/IIDX_Pico_Manual.pptx
@@ -237,7 +237,7 @@
           <a:p>
             <a:fld id="{99D69C7F-8110-406B-A63E-81EB2EBDFE06}" type="datetimeFigureOut">
               <a:rPr lang="zh-CN" altLang="en-US" smtClean="0"/>
-              <a:t>2025/10/15</a:t>
+              <a:t>2025/12/18</a:t>
             </a:fld>
             <a:endParaRPr lang="zh-CN" altLang="en-US"/>
           </a:p>
@@ -415,7 +415,7 @@
           <a:p>
             <a:fld id="{002F3B7A-C25F-4CE1-8FEE-39C6D6ACD16A}" type="datetimeFigureOut">
               <a:rPr lang="zh-CN" altLang="en-US" smtClean="0"/>
-              <a:t>2025/10/15</a:t>
+              <a:t>2025/12/18</a:t>
             </a:fld>
             <a:endParaRPr lang="zh-CN" altLang="en-US"/>
           </a:p>
@@ -2728,6 +2728,215 @@
           </a:p>
         </p:txBody>
       </p:sp>
+      <p:sp>
+        <p:nvSpPr>
+          <p:cNvPr id="13" name="文本框 20">
+            <a:extLst>
+              <a:ext uri="{FF2B5EF4-FFF2-40B4-BE49-F238E27FC236}">
+                <a16:creationId xmlns:a16="http://schemas.microsoft.com/office/drawing/2014/main" id="{BE3F473D-0035-443D-8DC0-0B20531FF6EB}"/>
+              </a:ext>
+            </a:extLst>
+          </p:cNvPr>
+          <p:cNvSpPr txBox="1"/>
+          <p:nvPr/>
+        </p:nvSpPr>
+        <p:spPr>
+          <a:xfrm>
+            <a:off x="7193315" y="532507"/>
+            <a:ext cx="1155347" cy="534368"/>
+          </a:xfrm>
+          <a:prstGeom prst="rect">
+            <a:avLst/>
+          </a:prstGeom>
+          <a:noFill/>
+        </p:spPr>
+        <p:txBody>
+          <a:bodyPr wrap="square" lIns="36000" tIns="36000" rIns="36000" bIns="36000" rtlCol="0">
+            <a:spAutoFit/>
+          </a:bodyPr>
+          <a:lstStyle/>
+          <a:p>
+            <a:pPr algn="ctr">
+              <a:lnSpc>
+                <a:spcPts val="1800"/>
+              </a:lnSpc>
+            </a:pPr>
+            <a:r>
+              <a:rPr lang="en-US" altLang="zh-CN" sz="1600" b="1" dirty="0">
+                <a:solidFill>
+                  <a:schemeClr val="accent1">
+                    <a:lumMod val="75000"/>
+                  </a:schemeClr>
+                </a:solidFill>
+              </a:rPr>
+              <a:t>PlayStation</a:t>
+            </a:r>
+            <a:r>
+              <a:rPr lang="zh-CN" altLang="en-US" sz="1600" b="1" dirty="0">
+                <a:solidFill>
+                  <a:schemeClr val="accent1">
+                    <a:lumMod val="75000"/>
+                  </a:schemeClr>
+                </a:solidFill>
+              </a:rPr>
+              <a:t>设备</a:t>
+            </a:r>
+          </a:p>
+        </p:txBody>
+      </p:sp>
+      <p:cxnSp>
+        <p:nvCxnSpPr>
+          <p:cNvPr id="14" name="连接符: 肘形 27">
+            <a:extLst>
+              <a:ext uri="{FF2B5EF4-FFF2-40B4-BE49-F238E27FC236}">
+                <a16:creationId xmlns:a16="http://schemas.microsoft.com/office/drawing/2014/main" id="{84A49125-C2F2-47B5-A29C-1299280DFF5C}"/>
+              </a:ext>
+            </a:extLst>
+          </p:cNvPr>
+          <p:cNvCxnSpPr>
+            <a:cxnSpLocks/>
+            <a:stCxn id="13" idx="2"/>
+          </p:cNvCxnSpPr>
+          <p:nvPr/>
+        </p:nvCxnSpPr>
+        <p:spPr>
+          <a:xfrm rot="16200000" flipH="1">
+            <a:off x="8538102" y="299762"/>
+            <a:ext cx="102846" cy="1637072"/>
+          </a:xfrm>
+          <a:prstGeom prst="bentConnector2">
+            <a:avLst/>
+          </a:prstGeom>
+          <a:ln w="28575">
+            <a:solidFill>
+              <a:srgbClr val="FF0000"/>
+            </a:solidFill>
+            <a:prstDash val="sysDot"/>
+          </a:ln>
+        </p:spPr>
+        <p:style>
+          <a:lnRef idx="1">
+            <a:schemeClr val="accent1"/>
+          </a:lnRef>
+          <a:fillRef idx="0">
+            <a:schemeClr val="accent1"/>
+          </a:fillRef>
+          <a:effectRef idx="0">
+            <a:schemeClr val="accent1"/>
+          </a:effectRef>
+          <a:fontRef idx="minor">
+            <a:schemeClr val="tx1"/>
+          </a:fontRef>
+        </p:style>
+      </p:cxnSp>
+      <p:cxnSp>
+        <p:nvCxnSpPr>
+          <p:cNvPr id="15" name="连接符: 肘形 28">
+            <a:extLst>
+              <a:ext uri="{FF2B5EF4-FFF2-40B4-BE49-F238E27FC236}">
+                <a16:creationId xmlns:a16="http://schemas.microsoft.com/office/drawing/2014/main" id="{7DF4D707-C82B-4718-9FC2-CAF53FB8E545}"/>
+              </a:ext>
+            </a:extLst>
+          </p:cNvPr>
+          <p:cNvCxnSpPr>
+            <a:cxnSpLocks/>
+          </p:cNvCxnSpPr>
+          <p:nvPr/>
+        </p:nvCxnSpPr>
+        <p:spPr>
+          <a:xfrm rot="5400000">
+            <a:off x="9301389" y="1258579"/>
+            <a:ext cx="201470" cy="2"/>
+          </a:xfrm>
+          <a:prstGeom prst="bentConnector3">
+            <a:avLst>
+              <a:gd name="adj1" fmla="val 50000"/>
+            </a:avLst>
+          </a:prstGeom>
+          <a:ln w="28575">
+            <a:solidFill>
+              <a:srgbClr val="FF0000"/>
+            </a:solidFill>
+            <a:prstDash val="sysDot"/>
+          </a:ln>
+        </p:spPr>
+        <p:style>
+          <a:lnRef idx="1">
+            <a:schemeClr val="accent1"/>
+          </a:lnRef>
+          <a:fillRef idx="0">
+            <a:schemeClr val="accent1"/>
+          </a:fillRef>
+          <a:effectRef idx="0">
+            <a:schemeClr val="accent1"/>
+          </a:effectRef>
+          <a:fontRef idx="minor">
+            <a:schemeClr val="tx1"/>
+          </a:fontRef>
+        </p:style>
+      </p:cxnSp>
+      <p:sp>
+        <p:nvSpPr>
+          <p:cNvPr id="16" name="矩形: 圆角 22">
+            <a:extLst>
+              <a:ext uri="{FF2B5EF4-FFF2-40B4-BE49-F238E27FC236}">
+                <a16:creationId xmlns:a16="http://schemas.microsoft.com/office/drawing/2014/main" id="{9B8B6DB0-BB34-47F2-B719-8E638B950ED0}"/>
+              </a:ext>
+            </a:extLst>
+          </p:cNvPr>
+          <p:cNvSpPr/>
+          <p:nvPr/>
+        </p:nvSpPr>
+        <p:spPr>
+          <a:xfrm>
+            <a:off x="9155476" y="1371191"/>
+            <a:ext cx="505170" cy="544949"/>
+          </a:xfrm>
+          <a:prstGeom prst="roundRect">
+            <a:avLst>
+              <a:gd name="adj" fmla="val 9697"/>
+            </a:avLst>
+          </a:prstGeom>
+          <a:solidFill>
+            <a:schemeClr val="accent1">
+              <a:lumMod val="60000"/>
+              <a:lumOff val="40000"/>
+              <a:alpha val="30196"/>
+            </a:schemeClr>
+          </a:solidFill>
+          <a:ln>
+            <a:noFill/>
+          </a:ln>
+        </p:spPr>
+        <p:style>
+          <a:lnRef idx="2">
+            <a:schemeClr val="accent1">
+              <a:shade val="50000"/>
+            </a:schemeClr>
+          </a:lnRef>
+          <a:fillRef idx="1">
+            <a:schemeClr val="accent1"/>
+          </a:fillRef>
+          <a:effectRef idx="0">
+            <a:schemeClr val="accent1"/>
+          </a:effectRef>
+          <a:fontRef idx="minor">
+            <a:schemeClr val="lt1"/>
+          </a:fontRef>
+        </p:style>
+        <p:txBody>
+          <a:bodyPr lIns="36000" tIns="36000" rIns="36000" bIns="36000" rtlCol="0" anchor="b"/>
+          <a:lstStyle/>
+          <a:p>
+            <a:pPr algn="ctr"/>
+            <a:endParaRPr lang="zh-CN" altLang="en-US" sz="800" b="1" dirty="0">
+              <a:solidFill>
+                <a:srgbClr val="00B0F0"/>
+              </a:solidFill>
+            </a:endParaRPr>
+          </a:p>
+        </p:txBody>
+      </p:sp>
     </p:spTree>
     <p:extLst>
       <p:ext uri="{BB962C8B-B14F-4D97-AF65-F5344CB8AC3E}">
@@ -7786,23 +7995,23 @@
                   <a:srgbClr val="808080"/>
                 </a:highlight>
               </a:rPr>
+              <a:t>512</a:t>
+            </a:r>
+            <a:r>
+              <a:rPr lang="en-US" altLang="zh-CN" sz="1100" b="1" spc="100" dirty="0">
+                <a:solidFill>
+                  <a:srgbClr val="BF9000"/>
+                </a:solidFill>
+              </a:rPr>
+              <a:t>/</a:t>
+            </a:r>
+            <a:r>
+              <a:rPr lang="en-US" altLang="zh-CN" sz="1100" b="1" dirty="0">
+                <a:solidFill>
+                  <a:srgbClr val="0083E6"/>
+                </a:solidFill>
+              </a:rPr>
               <a:t>256</a:t>
-            </a:r>
-            <a:r>
-              <a:rPr lang="en-US" altLang="zh-CN" sz="1100" b="1" spc="100" dirty="0">
-                <a:solidFill>
-                  <a:srgbClr val="BF9000"/>
-                </a:solidFill>
-              </a:rPr>
-              <a:t>/</a:t>
-            </a:r>
-            <a:r>
-              <a:rPr lang="en-US" altLang="zh-CN" sz="1100" b="1" dirty="0">
-                <a:solidFill>
-                  <a:srgbClr val="0083E6"/>
-                </a:solidFill>
-              </a:rPr>
-              <a:t>200</a:t>
             </a:r>
             <a:br>
               <a:rPr lang="en-US" altLang="zh-CN" sz="1400" b="1" dirty="0">
@@ -7899,7 +8108,7 @@
                   <a:srgbClr val="808080"/>
                 </a:highlight>
               </a:rPr>
-              <a:t>160</a:t>
+              <a:t>200</a:t>
             </a:r>
             <a:r>
               <a:rPr lang="en-US" altLang="zh-CN" sz="1100" b="1" dirty="0">
@@ -8659,7 +8868,7 @@
             <p:nvPr/>
           </p:nvPicPr>
           <p:blipFill>
-            <a:blip r:embed="rId2"/>
+            <a:blip r:embed="rId3"/>
             <a:stretch>
               <a:fillRect/>
             </a:stretch>
@@ -8763,7 +8972,7 @@
             <p:nvPr/>
           </p:nvPicPr>
           <p:blipFill>
-            <a:blip r:embed="rId2"/>
+            <a:blip r:embed="rId3"/>
             <a:stretch>
               <a:fillRect/>
             </a:stretch>
@@ -8870,7 +9079,7 @@
             <p:nvPr/>
           </p:nvPicPr>
           <p:blipFill>
-            <a:blip r:embed="rId2"/>
+            <a:blip r:embed="rId3"/>
             <a:stretch>
               <a:fillRect/>
             </a:stretch>
@@ -8961,12 +9170,12 @@
           <a:graphicData uri="http://schemas.openxmlformats.org/presentationml/2006/ole">
             <mc:AlternateContent xmlns:mc="http://schemas.openxmlformats.org/markup-compatibility/2006">
               <mc:Choice xmlns:v="urn:schemas-microsoft-com:vml" Requires="v">
-                <p:oleObj r:id="rId3" imgW="1750685" imgH="1563257" progId="">
+                <p:oleObj spid="_x0000_s3080" r:id="rId4" imgW="1750685" imgH="1563257" progId="">
                   <p:embed/>
                 </p:oleObj>
               </mc:Choice>
               <mc:Fallback>
-                <p:oleObj r:id="rId3" imgW="1750685" imgH="1563257" progId="">
+                <p:oleObj r:id="rId4" imgW="1750685" imgH="1563257" progId="">
                   <p:embed/>
                   <p:pic>
                     <p:nvPicPr>
@@ -8981,7 +9190,7 @@
                       <p:nvPr/>
                     </p:nvPicPr>
                     <p:blipFill>
-                      <a:blip r:embed="rId4"/>
+                      <a:blip r:embed="rId5"/>
                       <a:stretch>
                         <a:fillRect/>
                       </a:stretch>
@@ -9460,7 +9669,7 @@
           <p:nvPr/>
         </p:nvPicPr>
         <p:blipFill>
-          <a:blip r:embed="rId5"/>
+          <a:blip r:embed="rId6"/>
           <a:stretch>
             <a:fillRect/>
           </a:stretch>
@@ -9574,7 +9783,7 @@
             <p:nvPr/>
           </p:nvPicPr>
           <p:blipFill>
-            <a:blip r:embed="rId2"/>
+            <a:blip r:embed="rId3"/>
             <a:stretch>
               <a:fillRect/>
             </a:stretch>
@@ -9648,12 +9857,12 @@
           <a:graphicData uri="http://schemas.openxmlformats.org/presentationml/2006/ole">
             <mc:AlternateContent xmlns:mc="http://schemas.openxmlformats.org/markup-compatibility/2006">
               <mc:Choice xmlns:v="urn:schemas-microsoft-com:vml" Requires="v">
-                <p:oleObj r:id="rId3" imgW="1750685" imgH="1563257" progId="">
+                <p:oleObj spid="_x0000_s4104" r:id="rId4" imgW="1750685" imgH="1563257" progId="">
                   <p:embed/>
                 </p:oleObj>
               </mc:Choice>
               <mc:Fallback>
-                <p:oleObj r:id="rId3" imgW="1750685" imgH="1563257" progId="">
+                <p:oleObj r:id="rId4" imgW="1750685" imgH="1563257" progId="">
                   <p:embed/>
                   <p:pic>
                     <p:nvPicPr>
@@ -9668,7 +9877,7 @@
                       <p:nvPr/>
                     </p:nvPicPr>
                     <p:blipFill>
-                      <a:blip r:embed="rId4"/>
+                      <a:blip r:embed="rId5"/>
                       <a:stretch>
                         <a:fillRect/>
                       </a:stretch>
@@ -9865,7 +10074,7 @@
           <p:nvPr/>
         </p:nvPicPr>
         <p:blipFill>
-          <a:blip r:embed="rId5"/>
+          <a:blip r:embed="rId6"/>
           <a:stretch>
             <a:fillRect/>
           </a:stretch>
@@ -11008,6 +11217,222 @@
                   <a:lumMod val="75000"/>
                   <a:lumOff val="25000"/>
                 </a:schemeClr>
+              </a:solidFill>
+            </a:endParaRPr>
+          </a:p>
+        </p:txBody>
+      </p:sp>
+      <p:sp>
+        <p:nvSpPr>
+          <p:cNvPr id="13" name="文本框 20">
+            <a:extLst>
+              <a:ext uri="{FF2B5EF4-FFF2-40B4-BE49-F238E27FC236}">
+                <a16:creationId xmlns:a16="http://schemas.microsoft.com/office/drawing/2014/main" id="{995A1FD6-E90C-4CB8-AE45-22E3E34D4268}"/>
+              </a:ext>
+            </a:extLst>
+          </p:cNvPr>
+          <p:cNvSpPr txBox="1"/>
+          <p:nvPr/>
+        </p:nvSpPr>
+        <p:spPr>
+          <a:xfrm>
+            <a:off x="7193315" y="532507"/>
+            <a:ext cx="1155347" cy="534368"/>
+          </a:xfrm>
+          <a:prstGeom prst="rect">
+            <a:avLst/>
+          </a:prstGeom>
+          <a:noFill/>
+        </p:spPr>
+        <p:txBody>
+          <a:bodyPr wrap="square" lIns="36000" tIns="36000" rIns="36000" bIns="36000" rtlCol="0">
+            <a:spAutoFit/>
+          </a:bodyPr>
+          <a:lstStyle/>
+          <a:p>
+            <a:pPr algn="ctr">
+              <a:lnSpc>
+                <a:spcPts val="1800"/>
+              </a:lnSpc>
+            </a:pPr>
+            <a:r>
+              <a:rPr lang="en-US" altLang="zh-CN" sz="1600" b="1" dirty="0">
+                <a:solidFill>
+                  <a:schemeClr val="accent1">
+                    <a:lumMod val="75000"/>
+                  </a:schemeClr>
+                </a:solidFill>
+              </a:rPr>
+              <a:t>PlayStation</a:t>
+            </a:r>
+            <a:r>
+              <a:rPr lang="ko-KR" altLang="en-US" sz="1600" b="1" dirty="0">
+                <a:solidFill>
+                  <a:schemeClr val="accent1">
+                    <a:lumMod val="75000"/>
+                  </a:schemeClr>
+                </a:solidFill>
+              </a:rPr>
+              <a:t> 장치</a:t>
+            </a:r>
+            <a:endParaRPr lang="zh-CN" altLang="en-US" sz="1600" b="1" dirty="0">
+              <a:solidFill>
+                <a:schemeClr val="accent1">
+                  <a:lumMod val="75000"/>
+                </a:schemeClr>
+              </a:solidFill>
+            </a:endParaRPr>
+          </a:p>
+        </p:txBody>
+      </p:sp>
+      <p:cxnSp>
+        <p:nvCxnSpPr>
+          <p:cNvPr id="14" name="连接符: 肘形 27">
+            <a:extLst>
+              <a:ext uri="{FF2B5EF4-FFF2-40B4-BE49-F238E27FC236}">
+                <a16:creationId xmlns:a16="http://schemas.microsoft.com/office/drawing/2014/main" id="{7773BDCF-FBF6-4FC2-8C30-982E87D34D96}"/>
+              </a:ext>
+            </a:extLst>
+          </p:cNvPr>
+          <p:cNvCxnSpPr>
+            <a:cxnSpLocks/>
+            <a:stCxn id="13" idx="2"/>
+          </p:cNvCxnSpPr>
+          <p:nvPr/>
+        </p:nvCxnSpPr>
+        <p:spPr>
+          <a:xfrm rot="16200000" flipH="1">
+            <a:off x="8538102" y="299762"/>
+            <a:ext cx="102846" cy="1637072"/>
+          </a:xfrm>
+          <a:prstGeom prst="bentConnector2">
+            <a:avLst/>
+          </a:prstGeom>
+          <a:ln w="28575">
+            <a:solidFill>
+              <a:srgbClr val="FF0000"/>
+            </a:solidFill>
+            <a:prstDash val="sysDot"/>
+          </a:ln>
+        </p:spPr>
+        <p:style>
+          <a:lnRef idx="1">
+            <a:schemeClr val="accent1"/>
+          </a:lnRef>
+          <a:fillRef idx="0">
+            <a:schemeClr val="accent1"/>
+          </a:fillRef>
+          <a:effectRef idx="0">
+            <a:schemeClr val="accent1"/>
+          </a:effectRef>
+          <a:fontRef idx="minor">
+            <a:schemeClr val="tx1"/>
+          </a:fontRef>
+        </p:style>
+      </p:cxnSp>
+      <p:cxnSp>
+        <p:nvCxnSpPr>
+          <p:cNvPr id="15" name="连接符: 肘形 28">
+            <a:extLst>
+              <a:ext uri="{FF2B5EF4-FFF2-40B4-BE49-F238E27FC236}">
+                <a16:creationId xmlns:a16="http://schemas.microsoft.com/office/drawing/2014/main" id="{70EAA714-2289-495B-92AF-EDD95F02D2DB}"/>
+              </a:ext>
+            </a:extLst>
+          </p:cNvPr>
+          <p:cNvCxnSpPr>
+            <a:cxnSpLocks/>
+          </p:cNvCxnSpPr>
+          <p:nvPr/>
+        </p:nvCxnSpPr>
+        <p:spPr>
+          <a:xfrm rot="5400000">
+            <a:off x="9301389" y="1258579"/>
+            <a:ext cx="201470" cy="2"/>
+          </a:xfrm>
+          <a:prstGeom prst="bentConnector3">
+            <a:avLst>
+              <a:gd name="adj1" fmla="val 50000"/>
+            </a:avLst>
+          </a:prstGeom>
+          <a:ln w="28575">
+            <a:solidFill>
+              <a:srgbClr val="FF0000"/>
+            </a:solidFill>
+            <a:prstDash val="sysDot"/>
+          </a:ln>
+        </p:spPr>
+        <p:style>
+          <a:lnRef idx="1">
+            <a:schemeClr val="accent1"/>
+          </a:lnRef>
+          <a:fillRef idx="0">
+            <a:schemeClr val="accent1"/>
+          </a:fillRef>
+          <a:effectRef idx="0">
+            <a:schemeClr val="accent1"/>
+          </a:effectRef>
+          <a:fontRef idx="minor">
+            <a:schemeClr val="tx1"/>
+          </a:fontRef>
+        </p:style>
+      </p:cxnSp>
+      <p:sp>
+        <p:nvSpPr>
+          <p:cNvPr id="16" name="矩形: 圆角 22">
+            <a:extLst>
+              <a:ext uri="{FF2B5EF4-FFF2-40B4-BE49-F238E27FC236}">
+                <a16:creationId xmlns:a16="http://schemas.microsoft.com/office/drawing/2014/main" id="{3A4AA932-F9D7-4597-B53E-A03BE609612C}"/>
+              </a:ext>
+            </a:extLst>
+          </p:cNvPr>
+          <p:cNvSpPr/>
+          <p:nvPr/>
+        </p:nvSpPr>
+        <p:spPr>
+          <a:xfrm>
+            <a:off x="9155476" y="1371191"/>
+            <a:ext cx="505170" cy="544949"/>
+          </a:xfrm>
+          <a:prstGeom prst="roundRect">
+            <a:avLst>
+              <a:gd name="adj" fmla="val 9697"/>
+            </a:avLst>
+          </a:prstGeom>
+          <a:solidFill>
+            <a:schemeClr val="accent1">
+              <a:lumMod val="60000"/>
+              <a:lumOff val="40000"/>
+              <a:alpha val="30196"/>
+            </a:schemeClr>
+          </a:solidFill>
+          <a:ln>
+            <a:noFill/>
+          </a:ln>
+        </p:spPr>
+        <p:style>
+          <a:lnRef idx="2">
+            <a:schemeClr val="accent1">
+              <a:shade val="50000"/>
+            </a:schemeClr>
+          </a:lnRef>
+          <a:fillRef idx="1">
+            <a:schemeClr val="accent1"/>
+          </a:fillRef>
+          <a:effectRef idx="0">
+            <a:schemeClr val="accent1"/>
+          </a:effectRef>
+          <a:fontRef idx="minor">
+            <a:schemeClr val="lt1"/>
+          </a:fontRef>
+        </p:style>
+        <p:txBody>
+          <a:bodyPr lIns="36000" tIns="36000" rIns="36000" bIns="36000" rtlCol="0" anchor="b"/>
+          <a:lstStyle/>
+          <a:p>
+            <a:pPr algn="ctr"/>
+            <a:endParaRPr lang="zh-CN" altLang="en-US" sz="800" b="1" dirty="0">
+              <a:solidFill>
+                <a:srgbClr val="00B0F0"/>
               </a:solidFill>
             </a:endParaRPr>
           </a:p>
@@ -13395,7 +13820,7 @@
         </p:nvSpPr>
         <p:spPr>
           <a:xfrm>
-            <a:off x="8768596" y="244470"/>
+            <a:off x="7860594" y="209599"/>
             <a:ext cx="2626526" cy="239415"/>
           </a:xfrm>
           <a:prstGeom prst="rect">
@@ -13442,6 +13867,212 @@
                   <a:lumMod val="75000"/>
                   <a:lumOff val="25000"/>
                 </a:schemeClr>
+              </a:solidFill>
+            </a:endParaRPr>
+          </a:p>
+        </p:txBody>
+      </p:sp>
+      <p:sp>
+        <p:nvSpPr>
+          <p:cNvPr id="13" name="文本框 20">
+            <a:extLst>
+              <a:ext uri="{FF2B5EF4-FFF2-40B4-BE49-F238E27FC236}">
+                <a16:creationId xmlns:a16="http://schemas.microsoft.com/office/drawing/2014/main" id="{FFAFD759-A8DA-4227-A405-3C50A35214B3}"/>
+              </a:ext>
+            </a:extLst>
+          </p:cNvPr>
+          <p:cNvSpPr txBox="1"/>
+          <p:nvPr/>
+        </p:nvSpPr>
+        <p:spPr>
+          <a:xfrm>
+            <a:off x="7193315" y="532507"/>
+            <a:ext cx="1155347" cy="534368"/>
+          </a:xfrm>
+          <a:prstGeom prst="rect">
+            <a:avLst/>
+          </a:prstGeom>
+          <a:noFill/>
+        </p:spPr>
+        <p:txBody>
+          <a:bodyPr wrap="square" lIns="36000" tIns="36000" rIns="36000" bIns="36000" rtlCol="0">
+            <a:spAutoFit/>
+          </a:bodyPr>
+          <a:lstStyle/>
+          <a:p>
+            <a:pPr algn="ctr">
+              <a:lnSpc>
+                <a:spcPts val="1800"/>
+              </a:lnSpc>
+            </a:pPr>
+            <a:r>
+              <a:rPr lang="en-US" altLang="zh-CN" sz="1600" b="1" dirty="0">
+                <a:solidFill>
+                  <a:schemeClr val="accent1">
+                    <a:lumMod val="75000"/>
+                  </a:schemeClr>
+                </a:solidFill>
+              </a:rPr>
+              <a:t>PlayStation Device</a:t>
+            </a:r>
+            <a:endParaRPr lang="zh-CN" altLang="en-US" sz="1600" b="1" dirty="0">
+              <a:solidFill>
+                <a:schemeClr val="accent1">
+                  <a:lumMod val="75000"/>
+                </a:schemeClr>
+              </a:solidFill>
+            </a:endParaRPr>
+          </a:p>
+        </p:txBody>
+      </p:sp>
+      <p:cxnSp>
+        <p:nvCxnSpPr>
+          <p:cNvPr id="14" name="连接符: 肘形 27">
+            <a:extLst>
+              <a:ext uri="{FF2B5EF4-FFF2-40B4-BE49-F238E27FC236}">
+                <a16:creationId xmlns:a16="http://schemas.microsoft.com/office/drawing/2014/main" id="{E39BE4F4-D5A7-4503-8119-B6E18F27FD62}"/>
+              </a:ext>
+            </a:extLst>
+          </p:cNvPr>
+          <p:cNvCxnSpPr>
+            <a:cxnSpLocks/>
+            <a:stCxn id="13" idx="2"/>
+          </p:cNvCxnSpPr>
+          <p:nvPr/>
+        </p:nvCxnSpPr>
+        <p:spPr>
+          <a:xfrm rot="16200000" flipH="1">
+            <a:off x="8538102" y="299762"/>
+            <a:ext cx="102846" cy="1637072"/>
+          </a:xfrm>
+          <a:prstGeom prst="bentConnector2">
+            <a:avLst/>
+          </a:prstGeom>
+          <a:ln w="28575">
+            <a:solidFill>
+              <a:srgbClr val="FF0000"/>
+            </a:solidFill>
+            <a:prstDash val="sysDot"/>
+          </a:ln>
+        </p:spPr>
+        <p:style>
+          <a:lnRef idx="1">
+            <a:schemeClr val="accent1"/>
+          </a:lnRef>
+          <a:fillRef idx="0">
+            <a:schemeClr val="accent1"/>
+          </a:fillRef>
+          <a:effectRef idx="0">
+            <a:schemeClr val="accent1"/>
+          </a:effectRef>
+          <a:fontRef idx="minor">
+            <a:schemeClr val="tx1"/>
+          </a:fontRef>
+        </p:style>
+      </p:cxnSp>
+      <p:cxnSp>
+        <p:nvCxnSpPr>
+          <p:cNvPr id="20" name="连接符: 肘形 28">
+            <a:extLst>
+              <a:ext uri="{FF2B5EF4-FFF2-40B4-BE49-F238E27FC236}">
+                <a16:creationId xmlns:a16="http://schemas.microsoft.com/office/drawing/2014/main" id="{77B478F7-2E06-4333-A2DE-EACB9E833A38}"/>
+              </a:ext>
+            </a:extLst>
+          </p:cNvPr>
+          <p:cNvCxnSpPr>
+            <a:cxnSpLocks/>
+          </p:cNvCxnSpPr>
+          <p:nvPr/>
+        </p:nvCxnSpPr>
+        <p:spPr>
+          <a:xfrm rot="5400000">
+            <a:off x="9301389" y="1258579"/>
+            <a:ext cx="201470" cy="2"/>
+          </a:xfrm>
+          <a:prstGeom prst="bentConnector3">
+            <a:avLst>
+              <a:gd name="adj1" fmla="val 50000"/>
+            </a:avLst>
+          </a:prstGeom>
+          <a:ln w="28575">
+            <a:solidFill>
+              <a:srgbClr val="FF0000"/>
+            </a:solidFill>
+            <a:prstDash val="sysDot"/>
+          </a:ln>
+        </p:spPr>
+        <p:style>
+          <a:lnRef idx="1">
+            <a:schemeClr val="accent1"/>
+          </a:lnRef>
+          <a:fillRef idx="0">
+            <a:schemeClr val="accent1"/>
+          </a:fillRef>
+          <a:effectRef idx="0">
+            <a:schemeClr val="accent1"/>
+          </a:effectRef>
+          <a:fontRef idx="minor">
+            <a:schemeClr val="tx1"/>
+          </a:fontRef>
+        </p:style>
+      </p:cxnSp>
+      <p:sp>
+        <p:nvSpPr>
+          <p:cNvPr id="25" name="矩形: 圆角 22">
+            <a:extLst>
+              <a:ext uri="{FF2B5EF4-FFF2-40B4-BE49-F238E27FC236}">
+                <a16:creationId xmlns:a16="http://schemas.microsoft.com/office/drawing/2014/main" id="{1CD13D31-6ADC-4CF8-819B-2F42510C8F3E}"/>
+              </a:ext>
+            </a:extLst>
+          </p:cNvPr>
+          <p:cNvSpPr/>
+          <p:nvPr/>
+        </p:nvSpPr>
+        <p:spPr>
+          <a:xfrm>
+            <a:off x="9155476" y="1371191"/>
+            <a:ext cx="505170" cy="544949"/>
+          </a:xfrm>
+          <a:prstGeom prst="roundRect">
+            <a:avLst>
+              <a:gd name="adj" fmla="val 9697"/>
+            </a:avLst>
+          </a:prstGeom>
+          <a:solidFill>
+            <a:schemeClr val="accent1">
+              <a:lumMod val="60000"/>
+              <a:lumOff val="40000"/>
+              <a:alpha val="30196"/>
+            </a:schemeClr>
+          </a:solidFill>
+          <a:ln>
+            <a:noFill/>
+          </a:ln>
+        </p:spPr>
+        <p:style>
+          <a:lnRef idx="2">
+            <a:schemeClr val="accent1">
+              <a:shade val="50000"/>
+            </a:schemeClr>
+          </a:lnRef>
+          <a:fillRef idx="1">
+            <a:schemeClr val="accent1"/>
+          </a:fillRef>
+          <a:effectRef idx="0">
+            <a:schemeClr val="accent1"/>
+          </a:effectRef>
+          <a:fontRef idx="minor">
+            <a:schemeClr val="lt1"/>
+          </a:fontRef>
+        </p:style>
+        <p:txBody>
+          <a:bodyPr lIns="36000" tIns="36000" rIns="36000" bIns="36000" rtlCol="0" anchor="b"/>
+          <a:lstStyle/>
+          <a:p>
+            <a:pPr algn="ctr"/>
+            <a:endParaRPr lang="zh-CN" altLang="en-US" sz="800" b="1" dirty="0">
+              <a:solidFill>
+                <a:srgbClr val="00B0F0"/>
               </a:solidFill>
             </a:endParaRPr>
           </a:p>
@@ -16650,23 +17281,23 @@
                   <a:srgbClr val="808080"/>
                 </a:highlight>
               </a:rPr>
+              <a:t>512</a:t>
+            </a:r>
+            <a:r>
+              <a:rPr lang="en-US" altLang="zh-CN" sz="1100" b="1" spc="100" dirty="0">
+                <a:solidFill>
+                  <a:srgbClr val="BF9000"/>
+                </a:solidFill>
+              </a:rPr>
+              <a:t>/</a:t>
+            </a:r>
+            <a:r>
+              <a:rPr lang="en-US" altLang="zh-CN" sz="1100" b="1" dirty="0">
+                <a:solidFill>
+                  <a:srgbClr val="0083E6"/>
+                </a:solidFill>
+              </a:rPr>
               <a:t>256</a:t>
-            </a:r>
-            <a:r>
-              <a:rPr lang="en-US" altLang="zh-CN" sz="1100" b="1" spc="100" dirty="0">
-                <a:solidFill>
-                  <a:srgbClr val="BF9000"/>
-                </a:solidFill>
-              </a:rPr>
-              <a:t>/</a:t>
-            </a:r>
-            <a:r>
-              <a:rPr lang="en-US" altLang="zh-CN" sz="1100" b="1" dirty="0">
-                <a:solidFill>
-                  <a:srgbClr val="0083E6"/>
-                </a:solidFill>
-              </a:rPr>
-              <a:t>200</a:t>
             </a:r>
             <a:br>
               <a:rPr lang="en-US" altLang="zh-CN" sz="1400" b="1" dirty="0">
@@ -16763,7 +17394,7 @@
                   <a:srgbClr val="808080"/>
                 </a:highlight>
               </a:rPr>
-              <a:t>160</a:t>
+              <a:t>200</a:t>
             </a:r>
             <a:r>
               <a:rPr lang="en-US" altLang="zh-CN" sz="1100" b="1" dirty="0">
@@ -17523,7 +18154,7 @@
             <p:nvPr/>
           </p:nvPicPr>
           <p:blipFill>
-            <a:blip r:embed="rId2"/>
+            <a:blip r:embed="rId3"/>
             <a:stretch>
               <a:fillRect/>
             </a:stretch>
@@ -17615,7 +18246,7 @@
             <p:nvPr/>
           </p:nvPicPr>
           <p:blipFill>
-            <a:blip r:embed="rId2"/>
+            <a:blip r:embed="rId3"/>
             <a:stretch>
               <a:fillRect/>
             </a:stretch>
@@ -17707,7 +18338,7 @@
             <p:nvPr/>
           </p:nvPicPr>
           <p:blipFill>
-            <a:blip r:embed="rId2"/>
+            <a:blip r:embed="rId3"/>
             <a:stretch>
               <a:fillRect/>
             </a:stretch>
@@ -17786,12 +18417,12 @@
           <a:graphicData uri="http://schemas.openxmlformats.org/presentationml/2006/ole">
             <mc:AlternateContent xmlns:mc="http://schemas.openxmlformats.org/markup-compatibility/2006">
               <mc:Choice xmlns:v="urn:schemas-microsoft-com:vml" Requires="v">
-                <p:oleObj r:id="rId3" imgW="1750685" imgH="1563257" progId="">
+                <p:oleObj spid="_x0000_s5128" r:id="rId4" imgW="1750685" imgH="1563257" progId="">
                   <p:embed/>
                 </p:oleObj>
               </mc:Choice>
               <mc:Fallback>
-                <p:oleObj r:id="rId3" imgW="1750685" imgH="1563257" progId="">
+                <p:oleObj r:id="rId4" imgW="1750685" imgH="1563257" progId="">
                   <p:embed/>
                   <p:pic>
                     <p:nvPicPr>
@@ -17806,7 +18437,7 @@
                       <p:nvPr/>
                     </p:nvPicPr>
                     <p:blipFill>
-                      <a:blip r:embed="rId4"/>
+                      <a:blip r:embed="rId5"/>
                       <a:stretch>
                         <a:fillRect/>
                       </a:stretch>
@@ -18287,7 +18918,7 @@
           <p:nvPr/>
         </p:nvPicPr>
         <p:blipFill>
-          <a:blip r:embed="rId5"/>
+          <a:blip r:embed="rId6"/>
           <a:stretch>
             <a:fillRect/>
           </a:stretch>
@@ -18402,7 +19033,7 @@
             <p:nvPr/>
           </p:nvPicPr>
           <p:blipFill>
-            <a:blip r:embed="rId2"/>
+            <a:blip r:embed="rId3"/>
             <a:stretch>
               <a:fillRect/>
             </a:stretch>
@@ -18476,12 +19107,12 @@
           <a:graphicData uri="http://schemas.openxmlformats.org/presentationml/2006/ole">
             <mc:AlternateContent xmlns:mc="http://schemas.openxmlformats.org/markup-compatibility/2006">
               <mc:Choice xmlns:v="urn:schemas-microsoft-com:vml" Requires="v">
-                <p:oleObj r:id="rId3" imgW="1750685" imgH="1563257" progId="">
+                <p:oleObj spid="_x0000_s6152" r:id="rId4" imgW="1750685" imgH="1563257" progId="">
                   <p:embed/>
                 </p:oleObj>
               </mc:Choice>
               <mc:Fallback>
-                <p:oleObj r:id="rId3" imgW="1750685" imgH="1563257" progId="">
+                <p:oleObj r:id="rId4" imgW="1750685" imgH="1563257" progId="">
                   <p:embed/>
                   <p:pic>
                     <p:nvPicPr>
@@ -18496,7 +19127,7 @@
                       <p:nvPr/>
                     </p:nvPicPr>
                     <p:blipFill>
-                      <a:blip r:embed="rId4"/>
+                      <a:blip r:embed="rId5"/>
                       <a:stretch>
                         <a:fillRect/>
                       </a:stretch>
@@ -18693,7 +19324,7 @@
           <p:nvPr/>
         </p:nvPicPr>
         <p:blipFill>
-          <a:blip r:embed="rId5"/>
+          <a:blip r:embed="rId6"/>
           <a:stretch>
             <a:fillRect/>
           </a:stretch>
@@ -24117,7 +24748,7 @@
               </a:lnSpc>
             </a:pPr>
             <a:r>
-              <a:rPr lang="en-US" altLang="zh-CN" sz="1100" b="1" dirty="0">
+              <a:rPr lang="en-US" altLang="zh-CN" sz="1100" b="1" spc="100" dirty="0">
                 <a:solidFill>
                   <a:schemeClr val="bg1"/>
                 </a:solidFill>
@@ -24125,23 +24756,23 @@
                   <a:srgbClr val="808080"/>
                 </a:highlight>
               </a:rPr>
+              <a:t>512</a:t>
+            </a:r>
+            <a:r>
+              <a:rPr lang="en-US" altLang="zh-CN" sz="1100" b="1" spc="100" dirty="0">
+                <a:solidFill>
+                  <a:srgbClr val="BF9000"/>
+                </a:solidFill>
+              </a:rPr>
+              <a:t>/</a:t>
+            </a:r>
+            <a:r>
+              <a:rPr lang="en-US" altLang="zh-CN" sz="1100" b="1" spc="100" dirty="0">
+                <a:solidFill>
+                  <a:srgbClr val="0083E6"/>
+                </a:solidFill>
+              </a:rPr>
               <a:t>256</a:t>
-            </a:r>
-            <a:r>
-              <a:rPr lang="en-US" altLang="zh-CN" sz="1100" b="1" spc="100" dirty="0">
-                <a:solidFill>
-                  <a:srgbClr val="BF9000"/>
-                </a:solidFill>
-              </a:rPr>
-              <a:t>/</a:t>
-            </a:r>
-            <a:r>
-              <a:rPr lang="en-US" altLang="zh-CN" sz="1100" b="1" dirty="0">
-                <a:solidFill>
-                  <a:srgbClr val="0083E6"/>
-                </a:solidFill>
-              </a:rPr>
-              <a:t>200</a:t>
             </a:r>
             <a:br>
               <a:rPr lang="en-US" altLang="zh-CN" sz="1400" b="1" dirty="0">
@@ -24238,7 +24869,7 @@
                   <a:srgbClr val="808080"/>
                 </a:highlight>
               </a:rPr>
-              <a:t>160</a:t>
+              <a:t>200</a:t>
             </a:r>
             <a:r>
               <a:rPr lang="en-US" altLang="zh-CN" sz="1100" b="1" dirty="0">
@@ -24978,7 +25609,7 @@
             <p:nvPr/>
           </p:nvPicPr>
           <p:blipFill>
-            <a:blip r:embed="rId2"/>
+            <a:blip r:embed="rId3"/>
             <a:stretch>
               <a:fillRect/>
             </a:stretch>
@@ -25073,7 +25704,7 @@
             <p:nvPr/>
           </p:nvPicPr>
           <p:blipFill>
-            <a:blip r:embed="rId2"/>
+            <a:blip r:embed="rId3"/>
             <a:stretch>
               <a:fillRect/>
             </a:stretch>
@@ -25161,7 +25792,7 @@
             <p:nvPr/>
           </p:nvPicPr>
           <p:blipFill>
-            <a:blip r:embed="rId2"/>
+            <a:blip r:embed="rId3"/>
             <a:stretch>
               <a:fillRect/>
             </a:stretch>
@@ -25242,12 +25873,12 @@
           <a:graphicData uri="http://schemas.openxmlformats.org/presentationml/2006/ole">
             <mc:AlternateContent xmlns:mc="http://schemas.openxmlformats.org/markup-compatibility/2006">
               <mc:Choice xmlns:v="urn:schemas-microsoft-com:vml" Requires="v">
-                <p:oleObj r:id="rId3" imgW="1750685" imgH="1563257" progId="">
+                <p:oleObj spid="_x0000_s1032" r:id="rId4" imgW="1750685" imgH="1563257" progId="">
                   <p:embed/>
                 </p:oleObj>
               </mc:Choice>
               <mc:Fallback>
-                <p:oleObj r:id="rId3" imgW="1750685" imgH="1563257" progId="">
+                <p:oleObj r:id="rId4" imgW="1750685" imgH="1563257" progId="">
                   <p:embed/>
                   <p:pic>
                     <p:nvPicPr>
@@ -25256,7 +25887,7 @@
                       <p:nvPr/>
                     </p:nvPicPr>
                     <p:blipFill>
-                      <a:blip r:embed="rId4"/>
+                      <a:blip r:embed="rId5"/>
                       <a:stretch>
                         <a:fillRect/>
                       </a:stretch>
@@ -25379,7 +26010,7 @@
           <p:nvPr/>
         </p:nvPicPr>
         <p:blipFill>
-          <a:blip r:embed="rId5"/>
+          <a:blip r:embed="rId6"/>
           <a:stretch>
             <a:fillRect/>
           </a:stretch>
@@ -25844,7 +26475,7 @@
             <p:nvPr/>
           </p:nvPicPr>
           <p:blipFill>
-            <a:blip r:embed="rId2"/>
+            <a:blip r:embed="rId3"/>
             <a:stretch>
               <a:fillRect/>
             </a:stretch>
@@ -25925,12 +26556,12 @@
           <a:graphicData uri="http://schemas.openxmlformats.org/presentationml/2006/ole">
             <mc:AlternateContent xmlns:mc="http://schemas.openxmlformats.org/markup-compatibility/2006">
               <mc:Choice xmlns:v="urn:schemas-microsoft-com:vml" Requires="v">
-                <p:oleObj r:id="rId3" imgW="1750685" imgH="1563257" progId="">
+                <p:oleObj spid="_x0000_s2056" r:id="rId4" imgW="1750685" imgH="1563257" progId="">
                   <p:embed/>
                 </p:oleObj>
               </mc:Choice>
               <mc:Fallback>
-                <p:oleObj r:id="rId3" imgW="1750685" imgH="1563257" progId="">
+                <p:oleObj r:id="rId4" imgW="1750685" imgH="1563257" progId="">
                   <p:embed/>
                   <p:pic>
                     <p:nvPicPr>
@@ -25945,7 +26576,7 @@
                       <p:nvPr/>
                     </p:nvPicPr>
                     <p:blipFill>
-                      <a:blip r:embed="rId4"/>
+                      <a:blip r:embed="rId5"/>
                       <a:stretch>
                         <a:fillRect/>
                       </a:stretch>
@@ -26060,7 +26691,7 @@
           <p:nvPr/>
         </p:nvPicPr>
         <p:blipFill>
-          <a:blip r:embed="rId5"/>
+          <a:blip r:embed="rId6"/>
           <a:stretch>
             <a:fillRect/>
           </a:stretch>
